--- a/PPT/Final_Review_ppt.pptx
+++ b/PPT/Final_Review_ppt.pptx
@@ -4191,7 +4191,7 @@
                 <a:ea typeface="+mn-ea"/>
                 <a:cs typeface="+mn-cs"/>
               </a:rPr>
-              <a:t>Intelligence fraud detection: Leveraging Machine Learning For Credit Card Transactions</a:t>
+              <a:t>Intelligence fraud detection: Leveraging Deep Learning For Credit Card Transactions</a:t>
             </a:r>
           </a:p>
         </p:txBody>
@@ -4691,7 +4691,7 @@
         </p:spPr>
         <p:txBody>
           <a:bodyPr vert="horz" lIns="91440" tIns="45720" rIns="91440" bIns="45720" rtlCol="0" anchor="ctr">
-            <a:normAutofit fontScale="92500" lnSpcReduction="20000"/>
+            <a:normAutofit fontScale="92500"/>
           </a:bodyPr>
           <a:lstStyle>
             <a:lvl1pPr algn="ctr" defTabSz="914400" rtl="0" eaLnBrk="1" latinLnBrk="0" hangingPunct="1">
@@ -4722,7 +4722,7 @@
                 <a:ea typeface="+mn-ea"/>
                 <a:cs typeface="+mn-cs"/>
               </a:rPr>
-              <a:t>Department of Artificial Intelligence and Machine Learning</a:t>
+              <a:t>Department of Artificial Intelligence and Deep Learning</a:t>
             </a:r>
           </a:p>
         </p:txBody>
@@ -6908,39 +6908,7 @@
                 <a:latin typeface="Times New Roman" panose="02020603050405020304" pitchFamily="18" charset="0"/>
                 <a:cs typeface="Times New Roman" panose="02020603050405020304" pitchFamily="18" charset="0"/>
               </a:rPr>
-              <a:t>A credit card company is aiming to resolve credit card fraud anomalies by analyzing transaction patterns and customer </a:t>
-            </a:r>
-            <a:r>
-              <a:rPr kumimoji="0" lang="en-US" altLang="en-IN" sz="2400" b="0" i="0" u="none" strike="noStrike" kern="0" cap="none" spc="0" normalizeH="0" baseline="0" noProof="0" dirty="0" err="1">
-                <a:ln>
-                  <a:noFill/>
-                </a:ln>
-                <a:solidFill>
-                  <a:srgbClr val="000000"/>
-                </a:solidFill>
-                <a:effectLst/>
-                <a:uLnTx/>
-                <a:uFillTx/>
-                <a:latin typeface="Times New Roman" panose="02020603050405020304" pitchFamily="18" charset="0"/>
-                <a:cs typeface="Times New Roman" panose="02020603050405020304" pitchFamily="18" charset="0"/>
-              </a:rPr>
-              <a:t>behaviour</a:t>
-            </a:r>
-            <a:r>
-              <a:rPr kumimoji="0" lang="en-US" altLang="en-IN" sz="2400" b="0" i="0" u="none" strike="noStrike" kern="0" cap="none" spc="0" normalizeH="0" baseline="0" noProof="0" dirty="0">
-                <a:ln>
-                  <a:noFill/>
-                </a:ln>
-                <a:solidFill>
-                  <a:srgbClr val="000000"/>
-                </a:solidFill>
-                <a:effectLst/>
-                <a:uLnTx/>
-                <a:uFillTx/>
-                <a:latin typeface="Times New Roman" panose="02020603050405020304" pitchFamily="18" charset="0"/>
-                <a:cs typeface="Times New Roman" panose="02020603050405020304" pitchFamily="18" charset="0"/>
-              </a:rPr>
-              <a:t> to minizine a potential credential fraud in the system.</a:t>
+              <a:t>A credit card company is aiming to resolve credit card fraud anomalies by analyzing transaction patterns and customer behavior to minizine a potential credential fraud in the system.</a:t>
             </a:r>
           </a:p>
           <a:p>

--- a/PPT/Final_Review_ppt.pptx
+++ b/PPT/Final_Review_ppt.pptx
@@ -231,7 +231,7 @@
           <a:p>
             <a:fld id="{319E05D0-A421-4EF3-8512-AD1148C82550}" type="datetimeFigureOut">
               <a:rPr lang="en-IN" smtClean="0"/>
-              <a:t>22-11-2024</a:t>
+              <a:t>23-11-2024</a:t>
             </a:fld>
             <a:endParaRPr lang="en-IN"/>
           </a:p>
@@ -4722,7 +4722,7 @@
                 <a:ea typeface="+mn-ea"/>
                 <a:cs typeface="+mn-cs"/>
               </a:rPr>
-              <a:t>Department of Artificial Intelligence and Deep Learning</a:t>
+              <a:t>Department of Artificial Intelligence and Data Science</a:t>
             </a:r>
           </a:p>
         </p:txBody>
